--- a/Presentation1.pptx
+++ b/Presentation1.pptx
@@ -9,7 +9,7 @@
     <p:sldId id="260" r:id="rId3"/>
     <p:sldId id="261" r:id="rId4"/>
     <p:sldId id="262" r:id="rId5"/>
-    <p:sldId id="274" r:id="rId6"/>
+    <p:sldId id="287" r:id="rId6"/>
     <p:sldId id="285" r:id="rId7"/>
     <p:sldId id="286" r:id="rId8"/>
     <p:sldId id="275" r:id="rId9"/>
@@ -127,6 +127,10 @@
     </p:ext>
   </p:extLst>
 </p:presentation>
+</file>
+
+<file path=ppt/revisionInfo.xml><?xml version="1.0" encoding="utf-8"?>
+<p1510:revInfo xmlns:a="http://schemas.openxmlformats.org/drawingml/2006/main" xmlns:r="http://schemas.openxmlformats.org/officeDocument/2006/relationships" xmlns:p1510="http://schemas.microsoft.com/office/powerpoint/2015/10/main"/>
 </file>
 
 <file path=ppt/slideLayouts/slideLayout1.xml><?xml version="1.0" encoding="utf-8"?>
@@ -38058,7 +38062,7 @@
         <p:spPr>
           <a:xfrm>
             <a:off x="656492" y="2130819"/>
-            <a:ext cx="5792460" cy="1477328"/>
+            <a:ext cx="5792460" cy="3200876"/>
           </a:xfrm>
           <a:prstGeom prst="rect">
             <a:avLst/>
@@ -38073,32 +38077,58 @@
           <a:p>
             <a:r>
               <a:rPr lang="en-US" dirty="0"/>
-              <a:t>Summary of the biology/significance:</a:t>
+              <a:t>Biology Takeaways :</a:t>
             </a:r>
           </a:p>
           <a:p>
+            <a:endParaRPr lang="en-US" dirty="0"/>
+          </a:p>
+          <a:p>
+            <a:pPr marL="285750" indent="-285750">
+              <a:buFont typeface="Arial" panose="020B0604020202020204" pitchFamily="34" charset="0"/>
+              <a:buChar char="•"/>
+            </a:pPr>
             <a:r>
-              <a:rPr lang="en-US" dirty="0"/>
-              <a:t>.</a:t>
+              <a:rPr lang="en-US" sz="1600" dirty="0"/>
+              <a:t>Successful results with prokaryotic data sets can help expand into more complex eukaryotic data sets. </a:t>
             </a:r>
           </a:p>
           <a:p>
+            <a:pPr marL="285750" indent="-285750">
+              <a:buFont typeface="Arial" panose="020B0604020202020204" pitchFamily="34" charset="0"/>
+              <a:buChar char="•"/>
+            </a:pPr>
+            <a:endParaRPr lang="en-US" dirty="0"/>
+          </a:p>
+          <a:p>
+            <a:pPr marL="285750" indent="-285750">
+              <a:buFont typeface="Arial" panose="020B0604020202020204" pitchFamily="34" charset="0"/>
+              <a:buChar char="•"/>
+            </a:pPr>
             <a:r>
-              <a:rPr lang="en-US" dirty="0"/>
-              <a:t>.</a:t>
+              <a:rPr lang="en-US" sz="1600" dirty="0"/>
+              <a:t>If TSSs can accurately be predicted then work can be extended to cover other Transcription Factors</a:t>
             </a:r>
           </a:p>
           <a:p>
+            <a:pPr marL="285750" indent="-285750">
+              <a:buFont typeface="Arial" panose="020B0604020202020204" pitchFamily="34" charset="0"/>
+              <a:buChar char="•"/>
+            </a:pPr>
+            <a:endParaRPr lang="en-US" sz="1600" dirty="0"/>
+          </a:p>
+          <a:p>
+            <a:pPr marL="285750" indent="-285750">
+              <a:buFont typeface="Arial" panose="020B0604020202020204" pitchFamily="34" charset="0"/>
+              <a:buChar char="•"/>
+            </a:pPr>
             <a:r>
-              <a:rPr lang="en-US" dirty="0"/>
-              <a:t>.</a:t>
+              <a:rPr lang="en-US" sz="1600" dirty="0"/>
+              <a:t>In the future it would be possible to determine levels of gene expression from accurately examining Transcription Factors</a:t>
             </a:r>
           </a:p>
           <a:p>
-            <a:r>
-              <a:rPr lang="en-US" dirty="0"/>
-              <a:t>.</a:t>
-            </a:r>
+            <a:endParaRPr lang="en-US" sz="1600" dirty="0"/>
           </a:p>
         </p:txBody>
       </p:sp>
@@ -45147,17 +45177,17 @@
           <a:p>
             <a:r>
               <a:rPr lang="en-US" dirty="0"/>
-              <a:t>High Level Goal of Project</a:t>
+              <a:t>High Level Description</a:t>
             </a:r>
           </a:p>
         </p:txBody>
       </p:sp>
       <p:sp>
         <p:nvSpPr>
-          <p:cNvPr id="6" name="TextBox 5">
+          <p:cNvPr id="4" name="TextBox 3">
             <a:extLst>
               <a:ext uri="{FF2B5EF4-FFF2-40B4-BE49-F238E27FC236}">
-                <a16:creationId xmlns:a16="http://schemas.microsoft.com/office/drawing/2014/main" id="{3E1F5BA4-968C-40DE-8A3D-D3473329E836}"/>
+                <a16:creationId xmlns:a16="http://schemas.microsoft.com/office/drawing/2014/main" id="{E3E6A467-4F15-4D5C-87F9-CDC41A5B9298}"/>
               </a:ext>
             </a:extLst>
           </p:cNvPr>
@@ -45167,7 +45197,7 @@
         <p:spPr>
           <a:xfrm>
             <a:off x="609600" y="1207477"/>
-            <a:ext cx="10011508" cy="646331"/>
+            <a:ext cx="10011508" cy="369332"/>
           </a:xfrm>
           <a:prstGeom prst="rect">
             <a:avLst/>
@@ -45180,9 +45210,39 @@
           </a:bodyPr>
           <a:lstStyle/>
           <a:p>
+            <a:pPr marL="0" marR="0" lvl="0" indent="0" algn="l" defTabSz="914400" rtl="0" eaLnBrk="1" fontAlgn="auto" latinLnBrk="0" hangingPunct="1">
+              <a:lnSpc>
+                <a:spcPct val="100000"/>
+              </a:lnSpc>
+              <a:spcBef>
+                <a:spcPts val="0"/>
+              </a:spcBef>
+              <a:spcAft>
+                <a:spcPts val="0"/>
+              </a:spcAft>
+              <a:buClrTx/>
+              <a:buSzTx/>
+              <a:buFontTx/>
+              <a:buNone/>
+              <a:tabLst/>
+              <a:defRPr/>
+            </a:pPr>
             <a:r>
-              <a:rPr lang="en-US" dirty="0"/>
-              <a:t>Our goal is to use machine learning to predict whether or not a given genetic sequence contains a promoter/TSS or not.</a:t>
+              <a:rPr kumimoji="0" lang="en-US" sz="1800" b="0" i="0" u="none" strike="noStrike" kern="1200" cap="none" spc="0" normalizeH="0" baseline="0" noProof="0" dirty="0">
+                <a:ln>
+                  <a:noFill/>
+                </a:ln>
+                <a:solidFill>
+                  <a:prstClr val="black"/>
+                </a:solidFill>
+                <a:effectLst/>
+                <a:uLnTx/>
+                <a:uFillTx/>
+                <a:latin typeface="Arial"/>
+                <a:ea typeface="Arial Unicode MS"/>
+                <a:cs typeface="+mn-cs"/>
+              </a:rPr>
+              <a:t>Our goal is to predict whether or not a given genetic sequence contains a promoter/TSS or not.</a:t>
             </a:r>
           </a:p>
         </p:txBody>
@@ -45190,7 +45250,7 @@
     </p:spTree>
     <p:extLst>
       <p:ext uri="{BB962C8B-B14F-4D97-AF65-F5344CB8AC3E}">
-        <p14:creationId xmlns:p14="http://schemas.microsoft.com/office/powerpoint/2010/main" val="1933393032"/>
+        <p14:creationId xmlns:p14="http://schemas.microsoft.com/office/powerpoint/2010/main" val="3174820858"/>
       </p:ext>
     </p:extLst>
   </p:cSld>
@@ -45339,8 +45399,13 @@
             </a:pPr>
             <a:r>
               <a:rPr lang="en-US" dirty="0"/>
-              <a:t>Made sure that none of our sampled sequences overlap</a:t>
+              <a:t>Made sure that none of our sampled sequences </a:t>
             </a:r>
+            <a:r>
+              <a:rPr lang="en-US" dirty="0" err="1"/>
+              <a:t>overlapc</a:t>
+            </a:r>
+            <a:endParaRPr lang="en-US" dirty="0"/>
           </a:p>
         </p:txBody>
       </p:sp>

--- a/Presentation1.pptx
+++ b/Presentation1.pptx
@@ -127,10 +127,6 @@
     </p:ext>
   </p:extLst>
 </p:presentation>
-</file>
-
-<file path=ppt/revisionInfo.xml><?xml version="1.0" encoding="utf-8"?>
-<p1510:revInfo xmlns:a="http://schemas.openxmlformats.org/drawingml/2006/main" xmlns:r="http://schemas.openxmlformats.org/officeDocument/2006/relationships" xmlns:p1510="http://schemas.microsoft.com/office/powerpoint/2015/10/main"/>
 </file>
 
 <file path=ppt/slideLayouts/slideLayout1.xml><?xml version="1.0" encoding="utf-8"?>
@@ -45320,7 +45316,7 @@
         <p:spPr>
           <a:xfrm>
             <a:off x="623727" y="2116015"/>
-            <a:ext cx="5486400" cy="3693319"/>
+            <a:ext cx="5486400" cy="3970318"/>
           </a:xfrm>
           <a:prstGeom prst="rect">
             <a:avLst/>
@@ -45382,7 +45378,7 @@
             </a:pPr>
             <a:r>
               <a:rPr lang="en-US" dirty="0"/>
-              <a:t>Half of data contain promoters/TSS, half do not</a:t>
+              <a:t>~4,000 sequences that contain a promoter and 5,000 sequences which do not</a:t>
             </a:r>
           </a:p>
           <a:p>
@@ -45399,13 +45395,8 @@
             </a:pPr>
             <a:r>
               <a:rPr lang="en-US" dirty="0"/>
-              <a:t>Made sure that none of our sampled sequences </a:t>
+              <a:t>Made sure that none of our sampled sequences overlap</a:t>
             </a:r>
-            <a:r>
-              <a:rPr lang="en-US" dirty="0" err="1"/>
-              <a:t>overlapc</a:t>
-            </a:r>
-            <a:endParaRPr lang="en-US" dirty="0"/>
           </a:p>
         </p:txBody>
       </p:sp>

--- a/Presentation1.pptx
+++ b/Presentation1.pptx
@@ -22,7 +22,8 @@
     <p:sldId id="282" r:id="rId16"/>
     <p:sldId id="283" r:id="rId17"/>
     <p:sldId id="284" r:id="rId18"/>
-    <p:sldId id="258" r:id="rId19"/>
+    <p:sldId id="288" r:id="rId19"/>
+    <p:sldId id="258" r:id="rId20"/>
   </p:sldIdLst>
   <p:sldSz cx="12192000" cy="6858000"/>
   <p:notesSz cx="6858000" cy="9144000"/>
@@ -38160,6 +38161,414 @@
       </p:grpSpPr>
       <p:sp>
         <p:nvSpPr>
+          <p:cNvPr id="2" name="Text Placeholder 1"/>
+          <p:cNvSpPr>
+            <a:spLocks noGrp="1"/>
+          </p:cNvSpPr>
+          <p:nvPr>
+            <p:ph type="body" sz="quarter" idx="10"/>
+          </p:nvPr>
+        </p:nvSpPr>
+        <p:spPr>
+          <a:xfrm>
+            <a:off x="309401" y="632604"/>
+            <a:ext cx="11573197" cy="724247"/>
+          </a:xfrm>
+        </p:spPr>
+        <p:txBody>
+          <a:bodyPr>
+            <a:normAutofit fontScale="92500" lnSpcReduction="10000"/>
+          </a:bodyPr>
+          <a:lstStyle/>
+          <a:p>
+            <a:r>
+              <a:rPr lang="en-US" dirty="0"/>
+              <a:t>References</a:t>
+            </a:r>
+          </a:p>
+        </p:txBody>
+      </p:sp>
+      <p:sp>
+        <p:nvSpPr>
+          <p:cNvPr id="3" name="Rectangle 2">
+            <a:extLst>
+              <a:ext uri="{FF2B5EF4-FFF2-40B4-BE49-F238E27FC236}">
+                <a16:creationId xmlns:a16="http://schemas.microsoft.com/office/drawing/2014/main" id="{5EB40145-8EEA-4BC7-A2EC-355B527FBF58}"/>
+              </a:ext>
+            </a:extLst>
+          </p:cNvPr>
+          <p:cNvSpPr/>
+          <p:nvPr/>
+        </p:nvSpPr>
+        <p:spPr>
+          <a:xfrm>
+            <a:off x="535091" y="1202472"/>
+            <a:ext cx="11121815" cy="5869364"/>
+          </a:xfrm>
+          <a:prstGeom prst="rect">
+            <a:avLst/>
+          </a:prstGeom>
+        </p:spPr>
+        <p:txBody>
+          <a:bodyPr wrap="square">
+            <a:spAutoFit/>
+          </a:bodyPr>
+          <a:lstStyle/>
+          <a:p>
+            <a:pPr>
+              <a:lnSpc>
+                <a:spcPct val="150000"/>
+              </a:lnSpc>
+            </a:pPr>
+            <a:r>
+              <a:rPr lang="en-US" sz="1400" b="1" dirty="0">
+                <a:latin typeface="Arial" panose="020B0604020202020204" pitchFamily="34" charset="0"/>
+              </a:rPr>
+              <a:t>[1] </a:t>
+            </a:r>
+            <a:r>
+              <a:rPr lang="en-US" sz="1400" dirty="0">
+                <a:latin typeface="Arial" panose="020B0604020202020204" pitchFamily="34" charset="0"/>
+              </a:rPr>
+              <a:t>C. B. Harley and R. P. Reynolds, “Analysis of e. coli promoter sequences,” PubMed, vol. 15, no. 5, pp. 2343–61, 1987.</a:t>
+            </a:r>
+          </a:p>
+          <a:p>
+            <a:pPr>
+              <a:lnSpc>
+                <a:spcPct val="150000"/>
+              </a:lnSpc>
+            </a:pPr>
+            <a:r>
+              <a:rPr lang="en-US" sz="1400" b="1" dirty="0">
+                <a:latin typeface="Arial" panose="020B0604020202020204" pitchFamily="34" charset="0"/>
+              </a:rPr>
+              <a:t>[2] </a:t>
+            </a:r>
+            <a:r>
+              <a:rPr lang="en-US" sz="1400" dirty="0">
+                <a:latin typeface="Arial" panose="020B0604020202020204" pitchFamily="34" charset="0"/>
+              </a:rPr>
+              <a:t>S. Clancy, “</a:t>
+            </a:r>
+            <a:r>
+              <a:rPr lang="en-US" sz="1400" dirty="0" err="1">
+                <a:latin typeface="Arial" panose="020B0604020202020204" pitchFamily="34" charset="0"/>
+              </a:rPr>
+              <a:t>Dna</a:t>
+            </a:r>
+            <a:r>
+              <a:rPr lang="en-US" sz="1400" dirty="0">
+                <a:latin typeface="Arial" panose="020B0604020202020204" pitchFamily="34" charset="0"/>
+              </a:rPr>
+              <a:t> transcription,” 2008.</a:t>
+            </a:r>
+          </a:p>
+          <a:p>
+            <a:pPr>
+              <a:lnSpc>
+                <a:spcPct val="150000"/>
+              </a:lnSpc>
+            </a:pPr>
+            <a:r>
+              <a:rPr lang="en-US" sz="1400" b="1" dirty="0">
+                <a:latin typeface="Arial" panose="020B0604020202020204" pitchFamily="34" charset="0"/>
+              </a:rPr>
+              <a:t>[3] </a:t>
+            </a:r>
+            <a:r>
+              <a:rPr lang="en-US" sz="1400" dirty="0">
+                <a:latin typeface="Arial" panose="020B0604020202020204" pitchFamily="34" charset="0"/>
+              </a:rPr>
+              <a:t>P. Bucher, “Weight matrix descriptions of four eukaryotic RNA polymerase II promoter elements derived from 502 unrelated promoter sequences,” J. Mol. Biol., vol. 212, pp. 563–578, Apr 1990.</a:t>
+            </a:r>
+          </a:p>
+          <a:p>
+            <a:pPr>
+              <a:lnSpc>
+                <a:spcPct val="150000"/>
+              </a:lnSpc>
+            </a:pPr>
+            <a:r>
+              <a:rPr lang="en-US" sz="1400" b="1" dirty="0">
+                <a:latin typeface="Arial" panose="020B0604020202020204" pitchFamily="34" charset="0"/>
+              </a:rPr>
+              <a:t>[4] </a:t>
+            </a:r>
+            <a:r>
+              <a:rPr lang="en-US" sz="1400" dirty="0">
+                <a:latin typeface="Arial" panose="020B0604020202020204" pitchFamily="34" charset="0"/>
+              </a:rPr>
+              <a:t>R. </a:t>
+            </a:r>
+            <a:r>
+              <a:rPr lang="en-US" sz="1400" dirty="0" err="1">
+                <a:latin typeface="Arial" panose="020B0604020202020204" pitchFamily="34" charset="0"/>
+              </a:rPr>
+              <a:t>Gangal</a:t>
+            </a:r>
+            <a:r>
+              <a:rPr lang="en-US" sz="1400" dirty="0">
+                <a:latin typeface="Arial" panose="020B0604020202020204" pitchFamily="34" charset="0"/>
+              </a:rPr>
+              <a:t> and P. Sharma, “Human pol II promoter prediction: time series descriptors and machine learning,” Nucleic Acids Research, vol. 33, pp. 1332–1336, 01 2005.</a:t>
+            </a:r>
+          </a:p>
+          <a:p>
+            <a:pPr>
+              <a:lnSpc>
+                <a:spcPct val="150000"/>
+              </a:lnSpc>
+            </a:pPr>
+            <a:r>
+              <a:rPr lang="en-US" sz="1400" b="1" dirty="0">
+                <a:latin typeface="Arial" panose="020B0604020202020204" pitchFamily="34" charset="0"/>
+              </a:rPr>
+              <a:t>[5] </a:t>
+            </a:r>
+            <a:r>
+              <a:rPr lang="en-US" sz="1400" dirty="0">
+                <a:latin typeface="Arial" panose="020B0604020202020204" pitchFamily="34" charset="0"/>
+              </a:rPr>
+              <a:t>R. K. Umarov and V. V. </a:t>
+            </a:r>
+            <a:r>
+              <a:rPr lang="en-US" sz="1400" dirty="0" err="1">
+                <a:latin typeface="Arial" panose="020B0604020202020204" pitchFamily="34" charset="0"/>
+              </a:rPr>
+              <a:t>Solovyev</a:t>
+            </a:r>
+            <a:r>
+              <a:rPr lang="en-US" sz="1400" dirty="0">
+                <a:latin typeface="Arial" panose="020B0604020202020204" pitchFamily="34" charset="0"/>
+              </a:rPr>
+              <a:t>, “Recognition of prokaryotic and eukaryotic promoters using convolutional deep learning neural networks,” PLOS ONE, vol. 12, pp. 1–12, 02 2017.</a:t>
+            </a:r>
+          </a:p>
+          <a:p>
+            <a:pPr>
+              <a:lnSpc>
+                <a:spcPct val="150000"/>
+              </a:lnSpc>
+            </a:pPr>
+            <a:r>
+              <a:rPr lang="en-US" sz="1400" b="1" dirty="0">
+                <a:latin typeface="Arial" panose="020B0604020202020204" pitchFamily="34" charset="0"/>
+              </a:rPr>
+              <a:t>[6] </a:t>
+            </a:r>
+            <a:r>
+              <a:rPr lang="en-US" sz="1400" dirty="0">
+                <a:latin typeface="Arial" panose="020B0604020202020204" pitchFamily="34" charset="0"/>
+              </a:rPr>
+              <a:t>C. Yin, Y. Chen, and S. S. </a:t>
+            </a:r>
+            <a:r>
+              <a:rPr lang="en-US" sz="1400" dirty="0" err="1">
+                <a:latin typeface="Arial" panose="020B0604020202020204" pitchFamily="34" charset="0"/>
+              </a:rPr>
+              <a:t>Yau</a:t>
+            </a:r>
+            <a:r>
+              <a:rPr lang="en-US" sz="1400" dirty="0">
+                <a:latin typeface="Arial" panose="020B0604020202020204" pitchFamily="34" charset="0"/>
+              </a:rPr>
+              <a:t>, “A measure of DNA sequence similarity by Fourier Transform with applications on hierarchical clustering,” J. </a:t>
+            </a:r>
+            <a:r>
+              <a:rPr lang="en-US" sz="1400" dirty="0" err="1">
+                <a:latin typeface="Arial" panose="020B0604020202020204" pitchFamily="34" charset="0"/>
+              </a:rPr>
+              <a:t>Theor</a:t>
+            </a:r>
+            <a:r>
+              <a:rPr lang="en-US" sz="1400" dirty="0">
+                <a:latin typeface="Arial" panose="020B0604020202020204" pitchFamily="34" charset="0"/>
+              </a:rPr>
+              <a:t>. Biol., vol. 359, pp. 18–28, Oct 2014.</a:t>
+            </a:r>
+          </a:p>
+          <a:p>
+            <a:pPr>
+              <a:lnSpc>
+                <a:spcPct val="150000"/>
+              </a:lnSpc>
+            </a:pPr>
+            <a:r>
+              <a:rPr lang="en-US" sz="1400" b="1" dirty="0">
+                <a:latin typeface="Arial" panose="020B0604020202020204" pitchFamily="34" charset="0"/>
+              </a:rPr>
+              <a:t>[7] </a:t>
+            </a:r>
+            <a:r>
+              <a:rPr lang="en-US" sz="1400" dirty="0">
+                <a:latin typeface="Arial" panose="020B0604020202020204" pitchFamily="34" charset="0"/>
+              </a:rPr>
+              <a:t>V. Kumar, M. </a:t>
+            </a:r>
+            <a:r>
+              <a:rPr lang="en-US" sz="1400" dirty="0" err="1">
+                <a:latin typeface="Arial" panose="020B0604020202020204" pitchFamily="34" charset="0"/>
+              </a:rPr>
+              <a:t>Muratani</a:t>
+            </a:r>
+            <a:r>
+              <a:rPr lang="en-US" sz="1400" dirty="0">
+                <a:latin typeface="Arial" panose="020B0604020202020204" pitchFamily="34" charset="0"/>
+              </a:rPr>
+              <a:t>, N. A. Rayan, P. Kraus, T. Lufkin, H. H. Ng, and S. Prabhakar, “Uniform, optimal signal processing of mapped deep-sequencing data,” Nature biotechnology, vol. 31, no. 7, p. 615, 2013.</a:t>
+            </a:r>
+          </a:p>
+          <a:p>
+            <a:pPr>
+              <a:lnSpc>
+                <a:spcPct val="150000"/>
+              </a:lnSpc>
+            </a:pPr>
+            <a:r>
+              <a:rPr lang="en-US" sz="1400" b="1" dirty="0">
+                <a:latin typeface="Arial" panose="020B0604020202020204" pitchFamily="34" charset="0"/>
+              </a:rPr>
+              <a:t>[8] </a:t>
+            </a:r>
+            <a:r>
+              <a:rPr lang="en-US" sz="1400" dirty="0">
+                <a:latin typeface="Arial" panose="020B0604020202020204" pitchFamily="34" charset="0"/>
+              </a:rPr>
+              <a:t>G. </a:t>
+            </a:r>
+            <a:r>
+              <a:rPr lang="en-US" sz="1400" dirty="0" err="1">
+                <a:latin typeface="Arial" panose="020B0604020202020204" pitchFamily="34" charset="0"/>
+              </a:rPr>
+              <a:t>Mendizabal</a:t>
+            </a:r>
+            <a:r>
+              <a:rPr lang="en-US" sz="1400" dirty="0">
+                <a:latin typeface="Arial" panose="020B0604020202020204" pitchFamily="34" charset="0"/>
+              </a:rPr>
+              <a:t>-Ruiz, I. Roman-Godinez, S. Torres-Ramos, R. A. </a:t>
+            </a:r>
+            <a:r>
+              <a:rPr lang="en-US" sz="1400" dirty="0" err="1">
+                <a:latin typeface="Arial" panose="020B0604020202020204" pitchFamily="34" charset="0"/>
+              </a:rPr>
+              <a:t>Salido</a:t>
+            </a:r>
+            <a:r>
+              <a:rPr lang="en-US" sz="1400" dirty="0">
+                <a:latin typeface="Arial" panose="020B0604020202020204" pitchFamily="34" charset="0"/>
+              </a:rPr>
+              <a:t>-Ruiz, H. Velez-Perez, and J. A. Morales, “Genomic signal processing for DNA sequence clustering,” </a:t>
+            </a:r>
+            <a:r>
+              <a:rPr lang="en-US" sz="1400" dirty="0" err="1">
+                <a:latin typeface="Arial" panose="020B0604020202020204" pitchFamily="34" charset="0"/>
+              </a:rPr>
+              <a:t>PeerJ</a:t>
+            </a:r>
+            <a:r>
+              <a:rPr lang="en-US" sz="1400" dirty="0">
+                <a:latin typeface="Arial" panose="020B0604020202020204" pitchFamily="34" charset="0"/>
+              </a:rPr>
+              <a:t>, vol. 6, p. e4264, 2018.</a:t>
+            </a:r>
+          </a:p>
+          <a:p>
+            <a:pPr>
+              <a:lnSpc>
+                <a:spcPct val="150000"/>
+              </a:lnSpc>
+            </a:pPr>
+            <a:r>
+              <a:rPr lang="en-US" sz="1400" b="1" dirty="0">
+                <a:latin typeface="Arial" panose="020B0604020202020204" pitchFamily="34" charset="0"/>
+              </a:rPr>
+              <a:t>[9] </a:t>
+            </a:r>
+            <a:r>
+              <a:rPr lang="en-US" sz="1400" dirty="0">
+                <a:latin typeface="Arial" panose="020B0604020202020204" pitchFamily="34" charset="0"/>
+              </a:rPr>
+              <a:t>H. J. Jeffrey, “Chaos game representation of gene structure,” Nucleic Acids Res., vol. 18, pp. 2163–2170, Apr 1990.</a:t>
+            </a:r>
+          </a:p>
+          <a:p>
+            <a:pPr>
+              <a:lnSpc>
+                <a:spcPct val="150000"/>
+              </a:lnSpc>
+            </a:pPr>
+            <a:r>
+              <a:rPr lang="en-US" sz="1400" b="1" dirty="0"/>
+              <a:t>[10] </a:t>
+            </a:r>
+            <a:r>
+              <a:rPr lang="en-US" sz="1400" dirty="0"/>
+              <a:t>R. C. </a:t>
+            </a:r>
+            <a:r>
+              <a:rPr lang="en-US" sz="1400" dirty="0" err="1"/>
+              <a:t>Tillquist</a:t>
+            </a:r>
+            <a:r>
+              <a:rPr lang="en-US" sz="1400" dirty="0"/>
+              <a:t> and M. E. </a:t>
+            </a:r>
+            <a:r>
+              <a:rPr lang="en-US" sz="1400" dirty="0" err="1"/>
+              <a:t>Lladser</a:t>
+            </a:r>
+            <a:r>
+              <a:rPr lang="en-US" sz="1400" dirty="0"/>
+              <a:t>, “Low-dimensional representation of genomic sequences,” Journal of Mathematical Biology, pp. 1–29, 3 2019.</a:t>
+            </a:r>
+          </a:p>
+          <a:p>
+            <a:pPr>
+              <a:lnSpc>
+                <a:spcPct val="150000"/>
+              </a:lnSpc>
+            </a:pPr>
+            <a:endParaRPr lang="en-US" sz="1400" dirty="0">
+              <a:effectLst/>
+              <a:latin typeface="Arial" panose="020B0604020202020204" pitchFamily="34" charset="0"/>
+            </a:endParaRPr>
+          </a:p>
+        </p:txBody>
+      </p:sp>
+    </p:spTree>
+    <p:extLst>
+      <p:ext uri="{BB962C8B-B14F-4D97-AF65-F5344CB8AC3E}">
+        <p14:creationId xmlns:p14="http://schemas.microsoft.com/office/powerpoint/2010/main" val="2286481664"/>
+      </p:ext>
+    </p:extLst>
+  </p:cSld>
+  <p:clrMapOvr>
+    <a:masterClrMapping/>
+  </p:clrMapOvr>
+</p:sld>
+</file>
+
+<file path=ppt/slides/slide19.xml><?xml version="1.0" encoding="utf-8"?>
+<p:sld xmlns:a="http://schemas.openxmlformats.org/drawingml/2006/main" xmlns:r="http://schemas.openxmlformats.org/officeDocument/2006/relationships" xmlns:p="http://schemas.openxmlformats.org/presentationml/2006/main">
+  <p:cSld>
+    <p:spTree>
+      <p:nvGrpSpPr>
+        <p:cNvPr id="1" name=""/>
+        <p:cNvGrpSpPr/>
+        <p:nvPr/>
+      </p:nvGrpSpPr>
+      <p:grpSpPr>
+        <a:xfrm>
+          <a:off x="0" y="0"/>
+          <a:ext cx="0" cy="0"/>
+          <a:chOff x="0" y="0"/>
+          <a:chExt cx="0" cy="0"/>
+        </a:xfrm>
+      </p:grpSpPr>
+      <p:sp>
+        <p:nvSpPr>
           <p:cNvPr id="4" name="TextBox 3">
             <a:extLst>
               <a:ext uri="{FF2B5EF4-FFF2-40B4-BE49-F238E27FC236}">
